--- a/27. WebService Testing/WebService Testing-RESTful.pptx
+++ b/27. WebService Testing/WebService Testing-RESTful.pptx
@@ -9979,29 +9979,31 @@
           <a:p>
             <a:pPr lvl="1"/>
             <a:r>
+              <a:rPr lang="en-US" dirty="0"/>
+              <a:t>POST (create)</a:t>
+            </a:r>
+          </a:p>
+          <a:p>
+            <a:pPr lvl="1"/>
+            <a:r>
               <a:rPr lang="en-US" dirty="0" smtClean="0"/>
-              <a:t>GET</a:t>
-            </a:r>
+              <a:t>GET (read)</a:t>
+            </a:r>
+            <a:endParaRPr lang="en-US" dirty="0" smtClean="0"/>
           </a:p>
           <a:p>
             <a:pPr lvl="1"/>
             <a:r>
               <a:rPr lang="en-US" dirty="0" smtClean="0"/>
-              <a:t>SET</a:t>
-            </a:r>
+              <a:t>PUT (update)</a:t>
+            </a:r>
+            <a:endParaRPr lang="en-US" dirty="0" smtClean="0"/>
           </a:p>
           <a:p>
             <a:pPr lvl="1"/>
             <a:r>
               <a:rPr lang="en-US" dirty="0" smtClean="0"/>
-              <a:t>POST</a:t>
-            </a:r>
-          </a:p>
-          <a:p>
-            <a:pPr lvl="1"/>
-            <a:r>
-              <a:rPr lang="en-US" dirty="0" smtClean="0"/>
-              <a:t>DELETE</a:t>
+              <a:t>DELETE (delete)</a:t>
             </a:r>
             <a:endParaRPr lang="en-US" dirty="0"/>
           </a:p>
@@ -10146,12 +10148,8 @@
               <a:buNone/>
             </a:pPr>
             <a:r>
-              <a:rPr lang="en-US" sz="2400" smtClean="0"/>
-              <a:t>Project </a:t>
-            </a:r>
-            <a:r>
               <a:rPr lang="en-US" sz="2400" dirty="0" smtClean="0"/>
-              <a:t>Manager</a:t>
+              <a:t>Project Manager</a:t>
             </a:r>
           </a:p>
           <a:p>
@@ -10168,12 +10166,12 @@
               <a:buNone/>
             </a:pPr>
             <a:r>
-              <a:rPr lang="en-US" sz="2400" dirty="0" smtClean="0"/>
+              <a:rPr lang="en-US" sz="2400"/>
               <a:t>Business Operations</a:t>
             </a:r>
           </a:p>
           <a:p>
-            <a:pPr lvl="1">
+            <a:pPr marL="357188" lvl="1" indent="0">
               <a:lnSpc>
                 <a:spcPct val="100000"/>
               </a:lnSpc>
@@ -10183,8 +10181,9 @@
               <a:spcAft>
                 <a:spcPts val="300"/>
               </a:spcAft>
+              <a:buNone/>
             </a:pPr>
-            <a:endParaRPr lang="en-US" dirty="0" smtClean="0"/>
+            <a:endParaRPr lang="en-US" dirty="0"/>
           </a:p>
           <a:p>
             <a:pPr lvl="1">
@@ -10319,7 +10318,7 @@
         </p:blipFill>
         <p:spPr>
           <a:xfrm>
-            <a:off x="6099450" y="3790419"/>
+            <a:off x="6099452" y="3790421"/>
             <a:ext cx="1441959" cy="2029609"/>
           </a:xfrm>
           <a:prstGeom prst="roundRect">
@@ -10343,7 +10342,7 @@
       </p:pic>
       <p:pic>
         <p:nvPicPr>
-          <p:cNvPr id="5" name="Picture 4"/>
+          <p:cNvPr id="9" name="Picture 8"/>
           <p:cNvPicPr>
             <a:picLocks noChangeAspect="1"/>
           </p:cNvPicPr>
@@ -10388,7 +10387,7 @@
     </p:spTree>
     <p:extLst>
       <p:ext uri="{BB962C8B-B14F-4D97-AF65-F5344CB8AC3E}">
-        <p14:creationId xmlns:p14="http://schemas.microsoft.com/office/powerpoint/2010/main" val="2442307514"/>
+        <p14:creationId xmlns:p14="http://schemas.microsoft.com/office/powerpoint/2010/main" val="986562630"/>
       </p:ext>
     </p:extLst>
   </p:cSld>
@@ -14251,11 +14250,11 @@
                   </a:schemeClr>
                 </a:solidFill>
               </a:rPr>
-              <a:t>GET</a:t>
+              <a:t>POST</a:t>
             </a:r>
             <a:r>
               <a:rPr lang="en-US" dirty="0"/>
-              <a:t> – retrieve a resource</a:t>
+              <a:t> – create a resource</a:t>
             </a:r>
           </a:p>
           <a:p>
@@ -14269,17 +14268,17 @@
                   </a:schemeClr>
                 </a:solidFill>
               </a:rPr>
-              <a:t>POST</a:t>
+              <a:t>PUT</a:t>
             </a:r>
             <a:r>
               <a:rPr lang="en-US" dirty="0"/>
-              <a:t> – create a resource</a:t>
+              <a:t> – update a resource</a:t>
             </a:r>
           </a:p>
           <a:p>
             <a:pPr lvl="1"/>
             <a:r>
-              <a:rPr lang="en-US" dirty="0">
+              <a:rPr lang="en-US" dirty="0" smtClean="0">
                 <a:solidFill>
                   <a:schemeClr val="accent5">
                     <a:lumMod val="20000"/>
@@ -14287,17 +14286,21 @@
                   </a:schemeClr>
                 </a:solidFill>
               </a:rPr>
-              <a:t>PUT</a:t>
+              <a:t>GET</a:t>
+            </a:r>
+            <a:r>
+              <a:rPr lang="en-US" dirty="0" smtClean="0"/>
+              <a:t> </a:t>
             </a:r>
             <a:r>
               <a:rPr lang="en-US" dirty="0"/>
-              <a:t> – update a resource</a:t>
+              <a:t>– retrieve a resource</a:t>
             </a:r>
           </a:p>
           <a:p>
             <a:pPr lvl="1"/>
             <a:r>
-              <a:rPr lang="en-US" dirty="0">
+              <a:rPr lang="en-US" dirty="0" smtClean="0">
                 <a:solidFill>
                   <a:schemeClr val="accent5">
                     <a:lumMod val="20000"/>
@@ -14308,8 +14311,12 @@
               <a:t>DELETE</a:t>
             </a:r>
             <a:r>
+              <a:rPr lang="en-US" dirty="0" smtClean="0"/>
+              <a:t> </a:t>
+            </a:r>
+            <a:r>
               <a:rPr lang="en-US" dirty="0"/>
-              <a:t> – delete a resource</a:t>
+              <a:t>– delete a resource</a:t>
             </a:r>
           </a:p>
           <a:p>
